--- a/NURS 6880 01 Capstone Overview.pptx
+++ b/NURS 6880 01 Capstone Overview.pptx
@@ -17,8 +17,8 @@
     <p:sldId id="372" r:id="rId9"/>
     <p:sldId id="377" r:id="rId10"/>
     <p:sldId id="374" r:id="rId11"/>
-    <p:sldId id="378" r:id="rId12"/>
-    <p:sldId id="380" r:id="rId13"/>
+    <p:sldId id="382" r:id="rId12"/>
+    <p:sldId id="383" r:id="rId13"/>
     <p:sldId id="381" r:id="rId14"/>
     <p:sldId id="369" r:id="rId15"/>
   </p:sldIdLst>
@@ -122,7 +122,7 @@
   <p:extLst>
     <p:ext uri="{EFAFB233-063F-42B5-8137-9DF3F51BA10A}">
       <p15:sldGuideLst xmlns:p15="http://schemas.microsoft.com/office/powerpoint/2012/main">
-        <p15:guide id="1" orient="horz" pos="2592">
+        <p15:guide id="1" orient="horz" pos="216" userDrawn="1">
           <p15:clr>
             <a:srgbClr val="A4A3A4"/>
           </p15:clr>
@@ -132,22 +132,17 @@
             <a:srgbClr val="A4A3A4"/>
           </p15:clr>
         </p15:guide>
-        <p15:guide id="3" pos="3556" userDrawn="1">
-          <p15:clr>
-            <a:srgbClr val="A4A3A4"/>
-          </p15:clr>
-        </p15:guide>
         <p15:guide id="4" pos="5232" userDrawn="1">
           <p15:clr>
             <a:srgbClr val="A4A3A4"/>
           </p15:clr>
         </p15:guide>
-        <p15:guide id="5" orient="horz" pos="2692" userDrawn="1">
+        <p15:guide id="5" orient="horz" pos="2592" userDrawn="1">
           <p15:clr>
             <a:srgbClr val="A4A3A4"/>
           </p15:clr>
         </p15:guide>
-        <p15:guide id="6" orient="horz" pos="2792" userDrawn="1">
+        <p15:guide id="6" orient="horz" pos="4872" userDrawn="1">
           <p15:clr>
             <a:srgbClr val="A4A3A4"/>
           </p15:clr>
@@ -241,7 +236,7 @@
             <a:fld id="{984B8A31-2B9F-A94B-A2CC-00F18DA57334}" type="datetimeFigureOut">
               <a:rPr lang="en-US" smtClean="0"/>
               <a:pPr/>
-              <a:t>4/5/2023</a:t>
+              <a:t>4/9/2023</a:t>
             </a:fld>
             <a:endParaRPr lang="en-US"/>
           </a:p>
@@ -408,7 +403,7 @@
             <a:fld id="{781EC66E-FACF-7F40-AACA-BA49429FF6B3}" type="datetimeFigureOut">
               <a:rPr lang="en-US" smtClean="0"/>
               <a:pPr/>
-              <a:t>4/5/2023</a:t>
+              <a:t>4/9/2023</a:t>
             </a:fld>
             <a:endParaRPr lang="en-US"/>
           </a:p>
@@ -1708,7 +1703,7 @@
     </p:spTree>
     <p:extLst>
       <p:ext uri="{BB962C8B-B14F-4D97-AF65-F5344CB8AC3E}">
-        <p14:creationId xmlns:p14="http://schemas.microsoft.com/office/powerpoint/2010/main" val="2405458735"/>
+        <p14:creationId xmlns:p14="http://schemas.microsoft.com/office/powerpoint/2010/main" val="3693624634"/>
       </p:ext>
     </p:extLst>
   </p:cSld>
@@ -1843,7 +1838,7 @@
     </p:spTree>
     <p:extLst>
       <p:ext uri="{BB962C8B-B14F-4D97-AF65-F5344CB8AC3E}">
-        <p14:creationId xmlns:p14="http://schemas.microsoft.com/office/powerpoint/2010/main" val="4157207074"/>
+        <p14:creationId xmlns:p14="http://schemas.microsoft.com/office/powerpoint/2010/main" val="875541651"/>
       </p:ext>
     </p:extLst>
   </p:cSld>
@@ -6591,7 +6586,7 @@
                 <a:latin typeface="Arial" panose="020B0604020202020204" pitchFamily="34" charset="0"/>
                 <a:cs typeface="Arial" panose="020B0604020202020204" pitchFamily="34" charset="0"/>
               </a:rPr>
-              <a:t>NURS 6880 Capstone II (spring)</a:t>
+              <a:t>NURS 6881 Capstone II (spring)</a:t>
             </a:r>
           </a:p>
         </p:txBody>
@@ -6606,13 +6601,13 @@
   <p:clrMapOvr>
     <a:masterClrMapping/>
   </p:clrMapOvr>
-  <mc:AlternateContent xmlns:mc="http://schemas.openxmlformats.org/markup-compatibility/2006">
-    <mc:Choice xmlns:p14="http://schemas.microsoft.com/office/powerpoint/2010/main" Requires="p14">
+  <mc:AlternateContent xmlns:mc="http://schemas.openxmlformats.org/markup-compatibility/2006" xmlns:p14="http://schemas.microsoft.com/office/powerpoint/2010/main">
+    <mc:Choice Requires="p14">
       <p:transition spd="med" p14:dur="700">
         <p:fade/>
       </p:transition>
     </mc:Choice>
-    <mc:Fallback>
+    <mc:Fallback xmlns="">
       <p:transition spd="med">
         <p:fade/>
       </p:transition>
@@ -6857,137 +6852,12 @@
           <a:chExt cx="0" cy="0"/>
         </a:xfrm>
       </p:grpSpPr>
-      <p:sp>
-        <p:nvSpPr>
-          <p:cNvPr id="2" name="Title 1">
+      <p:pic>
+        <p:nvPicPr>
+          <p:cNvPr id="10" name="Content Placeholder 9" descr="Graphical user interface&#10;&#10;Description automatically generated with low confidence">
             <a:extLst>
               <a:ext uri="{FF2B5EF4-FFF2-40B4-BE49-F238E27FC236}">
-                <a16:creationId xmlns:a16="http://schemas.microsoft.com/office/drawing/2014/main" id="{013F8B66-5536-4752-8C7A-CF943D0C81A9}"/>
-              </a:ext>
-            </a:extLst>
-          </p:cNvPr>
-          <p:cNvSpPr>
-            <a:spLocks noGrp="1"/>
-          </p:cNvSpPr>
-          <p:nvPr>
-            <p:ph type="title"/>
-          </p:nvPr>
-        </p:nvSpPr>
-        <p:spPr/>
-        <p:txBody>
-          <a:bodyPr/>
-          <a:lstStyle/>
-          <a:p>
-            <a:endParaRPr lang="en-US"/>
-          </a:p>
-        </p:txBody>
-      </p:sp>
-      <p:sp>
-        <p:nvSpPr>
-          <p:cNvPr id="4" name="Text Placeholder 3">
-            <a:extLst>
-              <a:ext uri="{FF2B5EF4-FFF2-40B4-BE49-F238E27FC236}">
-                <a16:creationId xmlns:a16="http://schemas.microsoft.com/office/drawing/2014/main" id="{DC9A42FC-14E1-4BC8-AA8A-1764E9F4F929}"/>
-              </a:ext>
-            </a:extLst>
-          </p:cNvPr>
-          <p:cNvSpPr>
-            <a:spLocks noGrp="1"/>
-          </p:cNvSpPr>
-          <p:nvPr>
-            <p:ph type="body" sz="quarter" idx="11"/>
-          </p:nvPr>
-        </p:nvSpPr>
-        <p:spPr/>
-        <p:txBody>
-          <a:bodyPr/>
-          <a:lstStyle/>
-          <a:p>
-            <a:endParaRPr lang="en-US"/>
-          </a:p>
-        </p:txBody>
-      </p:sp>
-      <p:sp>
-        <p:nvSpPr>
-          <p:cNvPr id="5" name="Text Placeholder 4">
-            <a:extLst>
-              <a:ext uri="{FF2B5EF4-FFF2-40B4-BE49-F238E27FC236}">
-                <a16:creationId xmlns:a16="http://schemas.microsoft.com/office/drawing/2014/main" id="{E6AFE61B-219C-4866-B66D-79CCA4D3EDC1}"/>
-              </a:ext>
-            </a:extLst>
-          </p:cNvPr>
-          <p:cNvSpPr>
-            <a:spLocks noGrp="1"/>
-          </p:cNvSpPr>
-          <p:nvPr>
-            <p:ph type="body" sz="quarter" idx="12"/>
-          </p:nvPr>
-        </p:nvSpPr>
-        <p:spPr/>
-        <p:txBody>
-          <a:bodyPr/>
-          <a:lstStyle/>
-          <a:p>
-            <a:endParaRPr lang="en-US"/>
-          </a:p>
-        </p:txBody>
-      </p:sp>
-      <p:sp>
-        <p:nvSpPr>
-          <p:cNvPr id="6" name="Text Placeholder 5">
-            <a:extLst>
-              <a:ext uri="{FF2B5EF4-FFF2-40B4-BE49-F238E27FC236}">
-                <a16:creationId xmlns:a16="http://schemas.microsoft.com/office/drawing/2014/main" id="{7CE8D3FF-F9AC-4EF9-9C25-71F74B50F20A}"/>
-              </a:ext>
-            </a:extLst>
-          </p:cNvPr>
-          <p:cNvSpPr>
-            <a:spLocks noGrp="1"/>
-          </p:cNvSpPr>
-          <p:nvPr>
-            <p:ph type="body" sz="quarter" idx="13"/>
-          </p:nvPr>
-        </p:nvSpPr>
-        <p:spPr/>
-        <p:txBody>
-          <a:bodyPr/>
-          <a:lstStyle/>
-          <a:p>
-            <a:endParaRPr lang="en-US"/>
-          </a:p>
-        </p:txBody>
-      </p:sp>
-      <p:sp>
-        <p:nvSpPr>
-          <p:cNvPr id="7" name="Text Placeholder 6">
-            <a:extLst>
-              <a:ext uri="{FF2B5EF4-FFF2-40B4-BE49-F238E27FC236}">
-                <a16:creationId xmlns:a16="http://schemas.microsoft.com/office/drawing/2014/main" id="{9298F68F-3668-4DF9-8648-68DB9521F4FB}"/>
-              </a:ext>
-            </a:extLst>
-          </p:cNvPr>
-          <p:cNvSpPr>
-            <a:spLocks noGrp="1"/>
-          </p:cNvSpPr>
-          <p:nvPr>
-            <p:ph type="body" sz="quarter" idx="16"/>
-          </p:nvPr>
-        </p:nvSpPr>
-        <p:spPr/>
-        <p:txBody>
-          <a:bodyPr/>
-          <a:lstStyle/>
-          <a:p>
-            <a:endParaRPr lang="en-US"/>
-          </a:p>
-        </p:txBody>
-      </p:sp>
-      <p:pic>
-        <p:nvPicPr>
-          <p:cNvPr id="16" name="Content Placeholder 15" descr="Graphical user interface, table&#10;&#10;Description automatically generated with medium confidence">
-            <a:extLst>
-              <a:ext uri="{FF2B5EF4-FFF2-40B4-BE49-F238E27FC236}">
-                <a16:creationId xmlns:a16="http://schemas.microsoft.com/office/drawing/2014/main" id="{F3757EC6-0D34-41B7-8611-0D77CF63CDF2}"/>
+                <a16:creationId xmlns:a16="http://schemas.microsoft.com/office/drawing/2014/main" id="{8D2F3D2E-D812-4AFD-B95C-C93AE863DC1A}"/>
               </a:ext>
             </a:extLst>
           </p:cNvPr>
@@ -7006,11 +6876,136 @@
         </p:blipFill>
         <p:spPr>
           <a:xfrm>
-            <a:off x="1168717" y="292737"/>
-            <a:ext cx="8915400" cy="7201220"/>
+            <a:off x="1550385" y="90215"/>
+            <a:ext cx="7872029" cy="7714442"/>
           </a:xfrm>
         </p:spPr>
       </p:pic>
+      <p:sp>
+        <p:nvSpPr>
+          <p:cNvPr id="2" name="Title 1">
+            <a:extLst>
+              <a:ext uri="{FF2B5EF4-FFF2-40B4-BE49-F238E27FC236}">
+                <a16:creationId xmlns:a16="http://schemas.microsoft.com/office/drawing/2014/main" id="{013F8B66-5536-4752-8C7A-CF943D0C81A9}"/>
+              </a:ext>
+            </a:extLst>
+          </p:cNvPr>
+          <p:cNvSpPr>
+            <a:spLocks noGrp="1"/>
+          </p:cNvSpPr>
+          <p:nvPr>
+            <p:ph type="title"/>
+          </p:nvPr>
+        </p:nvSpPr>
+        <p:spPr/>
+        <p:txBody>
+          <a:bodyPr/>
+          <a:lstStyle/>
+          <a:p>
+            <a:endParaRPr lang="en-US"/>
+          </a:p>
+        </p:txBody>
+      </p:sp>
+      <p:sp>
+        <p:nvSpPr>
+          <p:cNvPr id="4" name="Text Placeholder 3">
+            <a:extLst>
+              <a:ext uri="{FF2B5EF4-FFF2-40B4-BE49-F238E27FC236}">
+                <a16:creationId xmlns:a16="http://schemas.microsoft.com/office/drawing/2014/main" id="{DC9A42FC-14E1-4BC8-AA8A-1764E9F4F929}"/>
+              </a:ext>
+            </a:extLst>
+          </p:cNvPr>
+          <p:cNvSpPr>
+            <a:spLocks noGrp="1"/>
+          </p:cNvSpPr>
+          <p:nvPr>
+            <p:ph type="body" sz="quarter" idx="11"/>
+          </p:nvPr>
+        </p:nvSpPr>
+        <p:spPr/>
+        <p:txBody>
+          <a:bodyPr/>
+          <a:lstStyle/>
+          <a:p>
+            <a:endParaRPr lang="en-US"/>
+          </a:p>
+        </p:txBody>
+      </p:sp>
+      <p:sp>
+        <p:nvSpPr>
+          <p:cNvPr id="5" name="Text Placeholder 4">
+            <a:extLst>
+              <a:ext uri="{FF2B5EF4-FFF2-40B4-BE49-F238E27FC236}">
+                <a16:creationId xmlns:a16="http://schemas.microsoft.com/office/drawing/2014/main" id="{E6AFE61B-219C-4866-B66D-79CCA4D3EDC1}"/>
+              </a:ext>
+            </a:extLst>
+          </p:cNvPr>
+          <p:cNvSpPr>
+            <a:spLocks noGrp="1"/>
+          </p:cNvSpPr>
+          <p:nvPr>
+            <p:ph type="body" sz="quarter" idx="12"/>
+          </p:nvPr>
+        </p:nvSpPr>
+        <p:spPr/>
+        <p:txBody>
+          <a:bodyPr/>
+          <a:lstStyle/>
+          <a:p>
+            <a:endParaRPr lang="en-US"/>
+          </a:p>
+        </p:txBody>
+      </p:sp>
+      <p:sp>
+        <p:nvSpPr>
+          <p:cNvPr id="6" name="Text Placeholder 5">
+            <a:extLst>
+              <a:ext uri="{FF2B5EF4-FFF2-40B4-BE49-F238E27FC236}">
+                <a16:creationId xmlns:a16="http://schemas.microsoft.com/office/drawing/2014/main" id="{7CE8D3FF-F9AC-4EF9-9C25-71F74B50F20A}"/>
+              </a:ext>
+            </a:extLst>
+          </p:cNvPr>
+          <p:cNvSpPr>
+            <a:spLocks noGrp="1"/>
+          </p:cNvSpPr>
+          <p:nvPr>
+            <p:ph type="body" sz="quarter" idx="13"/>
+          </p:nvPr>
+        </p:nvSpPr>
+        <p:spPr/>
+        <p:txBody>
+          <a:bodyPr/>
+          <a:lstStyle/>
+          <a:p>
+            <a:endParaRPr lang="en-US"/>
+          </a:p>
+        </p:txBody>
+      </p:sp>
+      <p:sp>
+        <p:nvSpPr>
+          <p:cNvPr id="7" name="Text Placeholder 6">
+            <a:extLst>
+              <a:ext uri="{FF2B5EF4-FFF2-40B4-BE49-F238E27FC236}">
+                <a16:creationId xmlns:a16="http://schemas.microsoft.com/office/drawing/2014/main" id="{9298F68F-3668-4DF9-8648-68DB9521F4FB}"/>
+              </a:ext>
+            </a:extLst>
+          </p:cNvPr>
+          <p:cNvSpPr>
+            <a:spLocks noGrp="1"/>
+          </p:cNvSpPr>
+          <p:nvPr>
+            <p:ph type="body" sz="quarter" idx="16"/>
+          </p:nvPr>
+        </p:nvSpPr>
+        <p:spPr/>
+        <p:txBody>
+          <a:bodyPr/>
+          <a:lstStyle/>
+          <a:p>
+            <a:endParaRPr lang="en-US"/>
+          </a:p>
+        </p:txBody>
+      </p:sp>
       <p:sp>
         <p:nvSpPr>
           <p:cNvPr id="17" name="Rectangle 16">
@@ -7025,8 +7020,8 @@
         </p:nvSpPr>
         <p:spPr>
           <a:xfrm>
-            <a:off x="1168717" y="694482"/>
-            <a:ext cx="2946083" cy="6792168"/>
+            <a:off x="1550385" y="342900"/>
+            <a:ext cx="2564415" cy="7391400"/>
           </a:xfrm>
           <a:prstGeom prst="rect">
             <a:avLst/>
@@ -7075,8 +7070,8 @@
         </p:nvSpPr>
         <p:spPr>
           <a:xfrm>
-            <a:off x="6109335" y="701789"/>
-            <a:ext cx="2196465" cy="6792168"/>
+            <a:off x="5882185" y="342900"/>
+            <a:ext cx="2423615" cy="7391400"/>
           </a:xfrm>
           <a:prstGeom prst="rect">
             <a:avLst/>
@@ -7125,8 +7120,8 @@
         </p:nvSpPr>
         <p:spPr>
           <a:xfrm>
-            <a:off x="8069390" y="709096"/>
-            <a:ext cx="2196465" cy="6792168"/>
+            <a:off x="7533565" y="342900"/>
+            <a:ext cx="2196466" cy="7391400"/>
           </a:xfrm>
           <a:prstGeom prst="rect">
             <a:avLst/>
@@ -7175,8 +7170,8 @@
         </p:nvSpPr>
         <p:spPr>
           <a:xfrm>
-            <a:off x="3804761" y="680576"/>
-            <a:ext cx="2196465" cy="6792168"/>
+            <a:off x="3804761" y="342900"/>
+            <a:ext cx="2196465" cy="7391400"/>
           </a:xfrm>
           <a:prstGeom prst="rect">
             <a:avLst/>
@@ -8881,13 +8876,13 @@
   <p:clrMapOvr>
     <a:masterClrMapping/>
   </p:clrMapOvr>
-  <mc:AlternateContent xmlns:mc="http://schemas.openxmlformats.org/markup-compatibility/2006">
-    <mc:Choice xmlns:p14="http://schemas.microsoft.com/office/powerpoint/2010/main" Requires="p14">
+  <mc:AlternateContent xmlns:mc="http://schemas.openxmlformats.org/markup-compatibility/2006" xmlns:p14="http://schemas.microsoft.com/office/powerpoint/2010/main">
+    <mc:Choice Requires="p14">
       <p:transition spd="med" p14:dur="700">
         <p:fade/>
       </p:transition>
     </mc:Choice>
-    <mc:Fallback>
+    <mc:Fallback xmlns="">
       <p:transition spd="med">
         <p:fade/>
       </p:transition>
@@ -9136,137 +9131,12 @@
           <a:chExt cx="0" cy="0"/>
         </a:xfrm>
       </p:grpSpPr>
-      <p:sp>
-        <p:nvSpPr>
-          <p:cNvPr id="2" name="Title 1">
+      <p:pic>
+        <p:nvPicPr>
+          <p:cNvPr id="10" name="Content Placeholder 9" descr="Graphical user interface&#10;&#10;Description automatically generated with low confidence">
             <a:extLst>
               <a:ext uri="{FF2B5EF4-FFF2-40B4-BE49-F238E27FC236}">
-                <a16:creationId xmlns:a16="http://schemas.microsoft.com/office/drawing/2014/main" id="{013F8B66-5536-4752-8C7A-CF943D0C81A9}"/>
-              </a:ext>
-            </a:extLst>
-          </p:cNvPr>
-          <p:cNvSpPr>
-            <a:spLocks noGrp="1"/>
-          </p:cNvSpPr>
-          <p:nvPr>
-            <p:ph type="title"/>
-          </p:nvPr>
-        </p:nvSpPr>
-        <p:spPr/>
-        <p:txBody>
-          <a:bodyPr/>
-          <a:lstStyle/>
-          <a:p>
-            <a:endParaRPr lang="en-US"/>
-          </a:p>
-        </p:txBody>
-      </p:sp>
-      <p:sp>
-        <p:nvSpPr>
-          <p:cNvPr id="4" name="Text Placeholder 3">
-            <a:extLst>
-              <a:ext uri="{FF2B5EF4-FFF2-40B4-BE49-F238E27FC236}">
-                <a16:creationId xmlns:a16="http://schemas.microsoft.com/office/drawing/2014/main" id="{DC9A42FC-14E1-4BC8-AA8A-1764E9F4F929}"/>
-              </a:ext>
-            </a:extLst>
-          </p:cNvPr>
-          <p:cNvSpPr>
-            <a:spLocks noGrp="1"/>
-          </p:cNvSpPr>
-          <p:nvPr>
-            <p:ph type="body" sz="quarter" idx="11"/>
-          </p:nvPr>
-        </p:nvSpPr>
-        <p:spPr/>
-        <p:txBody>
-          <a:bodyPr/>
-          <a:lstStyle/>
-          <a:p>
-            <a:endParaRPr lang="en-US"/>
-          </a:p>
-        </p:txBody>
-      </p:sp>
-      <p:sp>
-        <p:nvSpPr>
-          <p:cNvPr id="5" name="Text Placeholder 4">
-            <a:extLst>
-              <a:ext uri="{FF2B5EF4-FFF2-40B4-BE49-F238E27FC236}">
-                <a16:creationId xmlns:a16="http://schemas.microsoft.com/office/drawing/2014/main" id="{E6AFE61B-219C-4866-B66D-79CCA4D3EDC1}"/>
-              </a:ext>
-            </a:extLst>
-          </p:cNvPr>
-          <p:cNvSpPr>
-            <a:spLocks noGrp="1"/>
-          </p:cNvSpPr>
-          <p:nvPr>
-            <p:ph type="body" sz="quarter" idx="12"/>
-          </p:nvPr>
-        </p:nvSpPr>
-        <p:spPr/>
-        <p:txBody>
-          <a:bodyPr/>
-          <a:lstStyle/>
-          <a:p>
-            <a:endParaRPr lang="en-US"/>
-          </a:p>
-        </p:txBody>
-      </p:sp>
-      <p:sp>
-        <p:nvSpPr>
-          <p:cNvPr id="6" name="Text Placeholder 5">
-            <a:extLst>
-              <a:ext uri="{FF2B5EF4-FFF2-40B4-BE49-F238E27FC236}">
-                <a16:creationId xmlns:a16="http://schemas.microsoft.com/office/drawing/2014/main" id="{7CE8D3FF-F9AC-4EF9-9C25-71F74B50F20A}"/>
-              </a:ext>
-            </a:extLst>
-          </p:cNvPr>
-          <p:cNvSpPr>
-            <a:spLocks noGrp="1"/>
-          </p:cNvSpPr>
-          <p:nvPr>
-            <p:ph type="body" sz="quarter" idx="13"/>
-          </p:nvPr>
-        </p:nvSpPr>
-        <p:spPr/>
-        <p:txBody>
-          <a:bodyPr/>
-          <a:lstStyle/>
-          <a:p>
-            <a:endParaRPr lang="en-US"/>
-          </a:p>
-        </p:txBody>
-      </p:sp>
-      <p:sp>
-        <p:nvSpPr>
-          <p:cNvPr id="7" name="Text Placeholder 6">
-            <a:extLst>
-              <a:ext uri="{FF2B5EF4-FFF2-40B4-BE49-F238E27FC236}">
-                <a16:creationId xmlns:a16="http://schemas.microsoft.com/office/drawing/2014/main" id="{9298F68F-3668-4DF9-8648-68DB9521F4FB}"/>
-              </a:ext>
-            </a:extLst>
-          </p:cNvPr>
-          <p:cNvSpPr>
-            <a:spLocks noGrp="1"/>
-          </p:cNvSpPr>
-          <p:nvPr>
-            <p:ph type="body" sz="quarter" idx="16"/>
-          </p:nvPr>
-        </p:nvSpPr>
-        <p:spPr/>
-        <p:txBody>
-          <a:bodyPr/>
-          <a:lstStyle/>
-          <a:p>
-            <a:endParaRPr lang="en-US"/>
-          </a:p>
-        </p:txBody>
-      </p:sp>
-      <p:pic>
-        <p:nvPicPr>
-          <p:cNvPr id="16" name="Content Placeholder 15" descr="Graphical user interface, table&#10;&#10;Description automatically generated with medium confidence">
-            <a:extLst>
-              <a:ext uri="{FF2B5EF4-FFF2-40B4-BE49-F238E27FC236}">
-                <a16:creationId xmlns:a16="http://schemas.microsoft.com/office/drawing/2014/main" id="{F3757EC6-0D34-41B7-8611-0D77CF63CDF2}"/>
+                <a16:creationId xmlns:a16="http://schemas.microsoft.com/office/drawing/2014/main" id="{8D2F3D2E-D812-4AFD-B95C-C93AE863DC1A}"/>
               </a:ext>
             </a:extLst>
           </p:cNvPr>
@@ -9285,15 +9155,140 @@
         </p:blipFill>
         <p:spPr>
           <a:xfrm>
-            <a:off x="1168717" y="292737"/>
-            <a:ext cx="8915400" cy="7201220"/>
+            <a:off x="1550385" y="90215"/>
+            <a:ext cx="7872029" cy="7714442"/>
           </a:xfrm>
         </p:spPr>
       </p:pic>
+      <p:sp>
+        <p:nvSpPr>
+          <p:cNvPr id="2" name="Title 1">
+            <a:extLst>
+              <a:ext uri="{FF2B5EF4-FFF2-40B4-BE49-F238E27FC236}">
+                <a16:creationId xmlns:a16="http://schemas.microsoft.com/office/drawing/2014/main" id="{013F8B66-5536-4752-8C7A-CF943D0C81A9}"/>
+              </a:ext>
+            </a:extLst>
+          </p:cNvPr>
+          <p:cNvSpPr>
+            <a:spLocks noGrp="1"/>
+          </p:cNvSpPr>
+          <p:nvPr>
+            <p:ph type="title"/>
+          </p:nvPr>
+        </p:nvSpPr>
+        <p:spPr/>
+        <p:txBody>
+          <a:bodyPr/>
+          <a:lstStyle/>
+          <a:p>
+            <a:endParaRPr lang="en-US"/>
+          </a:p>
+        </p:txBody>
+      </p:sp>
+      <p:sp>
+        <p:nvSpPr>
+          <p:cNvPr id="4" name="Text Placeholder 3">
+            <a:extLst>
+              <a:ext uri="{FF2B5EF4-FFF2-40B4-BE49-F238E27FC236}">
+                <a16:creationId xmlns:a16="http://schemas.microsoft.com/office/drawing/2014/main" id="{DC9A42FC-14E1-4BC8-AA8A-1764E9F4F929}"/>
+              </a:ext>
+            </a:extLst>
+          </p:cNvPr>
+          <p:cNvSpPr>
+            <a:spLocks noGrp="1"/>
+          </p:cNvSpPr>
+          <p:nvPr>
+            <p:ph type="body" sz="quarter" idx="11"/>
+          </p:nvPr>
+        </p:nvSpPr>
+        <p:spPr/>
+        <p:txBody>
+          <a:bodyPr/>
+          <a:lstStyle/>
+          <a:p>
+            <a:endParaRPr lang="en-US"/>
+          </a:p>
+        </p:txBody>
+      </p:sp>
+      <p:sp>
+        <p:nvSpPr>
+          <p:cNvPr id="5" name="Text Placeholder 4">
+            <a:extLst>
+              <a:ext uri="{FF2B5EF4-FFF2-40B4-BE49-F238E27FC236}">
+                <a16:creationId xmlns:a16="http://schemas.microsoft.com/office/drawing/2014/main" id="{E6AFE61B-219C-4866-B66D-79CCA4D3EDC1}"/>
+              </a:ext>
+            </a:extLst>
+          </p:cNvPr>
+          <p:cNvSpPr>
+            <a:spLocks noGrp="1"/>
+          </p:cNvSpPr>
+          <p:nvPr>
+            <p:ph type="body" sz="quarter" idx="12"/>
+          </p:nvPr>
+        </p:nvSpPr>
+        <p:spPr/>
+        <p:txBody>
+          <a:bodyPr/>
+          <a:lstStyle/>
+          <a:p>
+            <a:endParaRPr lang="en-US"/>
+          </a:p>
+        </p:txBody>
+      </p:sp>
+      <p:sp>
+        <p:nvSpPr>
+          <p:cNvPr id="6" name="Text Placeholder 5">
+            <a:extLst>
+              <a:ext uri="{FF2B5EF4-FFF2-40B4-BE49-F238E27FC236}">
+                <a16:creationId xmlns:a16="http://schemas.microsoft.com/office/drawing/2014/main" id="{7CE8D3FF-F9AC-4EF9-9C25-71F74B50F20A}"/>
+              </a:ext>
+            </a:extLst>
+          </p:cNvPr>
+          <p:cNvSpPr>
+            <a:spLocks noGrp="1"/>
+          </p:cNvSpPr>
+          <p:nvPr>
+            <p:ph type="body" sz="quarter" idx="13"/>
+          </p:nvPr>
+        </p:nvSpPr>
+        <p:spPr/>
+        <p:txBody>
+          <a:bodyPr/>
+          <a:lstStyle/>
+          <a:p>
+            <a:endParaRPr lang="en-US"/>
+          </a:p>
+        </p:txBody>
+      </p:sp>
+      <p:sp>
+        <p:nvSpPr>
+          <p:cNvPr id="7" name="Text Placeholder 6">
+            <a:extLst>
+              <a:ext uri="{FF2B5EF4-FFF2-40B4-BE49-F238E27FC236}">
+                <a16:creationId xmlns:a16="http://schemas.microsoft.com/office/drawing/2014/main" id="{9298F68F-3668-4DF9-8648-68DB9521F4FB}"/>
+              </a:ext>
+            </a:extLst>
+          </p:cNvPr>
+          <p:cNvSpPr>
+            <a:spLocks noGrp="1"/>
+          </p:cNvSpPr>
+          <p:nvPr>
+            <p:ph type="body" sz="quarter" idx="16"/>
+          </p:nvPr>
+        </p:nvSpPr>
+        <p:spPr/>
+        <p:txBody>
+          <a:bodyPr/>
+          <a:lstStyle/>
+          <a:p>
+            <a:endParaRPr lang="en-US"/>
+          </a:p>
+        </p:txBody>
+      </p:sp>
     </p:spTree>
     <p:extLst>
       <p:ext uri="{BB962C8B-B14F-4D97-AF65-F5344CB8AC3E}">
-        <p14:creationId xmlns:p14="http://schemas.microsoft.com/office/powerpoint/2010/main" val="3994018440"/>
+        <p14:creationId xmlns:p14="http://schemas.microsoft.com/office/powerpoint/2010/main" val="2202367914"/>
       </p:ext>
     </p:extLst>
   </p:cSld>
@@ -9301,13 +9296,13 @@
     <a:masterClrMapping/>
   </p:clrMapOvr>
   <mc:AlternateContent xmlns:mc="http://schemas.openxmlformats.org/markup-compatibility/2006">
-    <mc:Choice xmlns:p159="http://schemas.microsoft.com/office/powerpoint/2015/09/main" Requires="p159">
-      <p:transition xmlns:p14="http://schemas.microsoft.com/office/powerpoint/2010/main" spd="slow" p14:dur="5000">
-        <p159:morph option="byObject"/>
+    <mc:Choice xmlns:p14="http://schemas.microsoft.com/office/powerpoint/2010/main" Requires="p14">
+      <p:transition spd="med" p14:dur="700">
+        <p:fade/>
       </p:transition>
     </mc:Choice>
     <mc:Fallback>
-      <p:transition spd="slow">
+      <p:transition spd="med">
         <p:fade/>
       </p:transition>
     </mc:Fallback>
@@ -9332,6 +9327,34 @@
           <a:chExt cx="0" cy="0"/>
         </a:xfrm>
       </p:grpSpPr>
+      <p:pic>
+        <p:nvPicPr>
+          <p:cNvPr id="10" name="Content Placeholder 9" descr="Graphical user interface&#10;&#10;Description automatically generated with low confidence">
+            <a:extLst>
+              <a:ext uri="{FF2B5EF4-FFF2-40B4-BE49-F238E27FC236}">
+                <a16:creationId xmlns:a16="http://schemas.microsoft.com/office/drawing/2014/main" id="{8D2F3D2E-D812-4AFD-B95C-C93AE863DC1A}"/>
+              </a:ext>
+            </a:extLst>
+          </p:cNvPr>
+          <p:cNvPicPr>
+            <a:picLocks noGrp="1" noChangeAspect="1"/>
+          </p:cNvPicPr>
+          <p:nvPr>
+            <p:ph sz="half" idx="1"/>
+          </p:nvPr>
+        </p:nvPicPr>
+        <p:blipFill rotWithShape="1">
+          <a:blip r:embed="rId3"/>
+          <a:srcRect l="571" t="4717" r="77443" b="72985"/>
+          <a:stretch/>
+        </p:blipFill>
+        <p:spPr>
+          <a:xfrm>
+            <a:off x="3162891" y="1913206"/>
+            <a:ext cx="4927052" cy="4897027"/>
+          </a:xfrm>
+        </p:spPr>
+      </p:pic>
       <p:sp>
         <p:nvSpPr>
           <p:cNvPr id="2" name="Title 1">
@@ -9457,43 +9480,12 @@
           </a:p>
         </p:txBody>
       </p:sp>
-      <p:pic>
-        <p:nvPicPr>
-          <p:cNvPr id="16" name="Content Placeholder 15" descr="Graphical user interface, table&#10;&#10;Description automatically generated with medium confidence">
+      <p:sp>
+        <p:nvSpPr>
+          <p:cNvPr id="8" name="Rectangle 7">
             <a:extLst>
               <a:ext uri="{FF2B5EF4-FFF2-40B4-BE49-F238E27FC236}">
-                <a16:creationId xmlns:a16="http://schemas.microsoft.com/office/drawing/2014/main" id="{F3757EC6-0D34-41B7-8611-0D77CF63CDF2}"/>
-              </a:ext>
-            </a:extLst>
-          </p:cNvPr>
-          <p:cNvPicPr>
-            <a:picLocks noGrp="1" noChangeAspect="1"/>
-          </p:cNvPicPr>
-          <p:nvPr>
-            <p:ph sz="half" idx="1"/>
-          </p:nvPr>
-        </p:nvPicPr>
-        <p:blipFill rotWithShape="1">
-          <a:blip r:embed="rId3"/>
-          <a:srcRect l="563" t="6297" r="77139" b="72352"/>
-          <a:stretch/>
-        </p:blipFill>
-        <p:spPr>
-          <a:xfrm>
-            <a:off x="2968283" y="2532184"/>
-            <a:ext cx="5165783" cy="3995225"/>
-          </a:xfrm>
-          <a:prstGeom prst="rect">
-            <a:avLst/>
-          </a:prstGeom>
-        </p:spPr>
-      </p:pic>
-      <p:sp>
-        <p:nvSpPr>
-          <p:cNvPr id="3" name="Rectangle 2">
-            <a:extLst>
-              <a:ext uri="{FF2B5EF4-FFF2-40B4-BE49-F238E27FC236}">
-                <a16:creationId xmlns:a16="http://schemas.microsoft.com/office/drawing/2014/main" id="{CB04851D-04BD-4C73-9FF6-B8DA47CC03E2}"/>
+                <a16:creationId xmlns:a16="http://schemas.microsoft.com/office/drawing/2014/main" id="{31B6A016-92C1-4398-A139-40076523DEC4}"/>
               </a:ext>
             </a:extLst>
           </p:cNvPr>
@@ -9502,8 +9494,8 @@
         </p:nvSpPr>
         <p:spPr>
           <a:xfrm>
-            <a:off x="5164201" y="3725839"/>
-            <a:ext cx="2819739" cy="900752"/>
+            <a:off x="5334000" y="3124200"/>
+            <a:ext cx="2667000" cy="914400"/>
           </a:xfrm>
           <a:prstGeom prst="rect">
             <a:avLst/>
@@ -9541,7 +9533,7 @@
     </p:spTree>
     <p:extLst>
       <p:ext uri="{BB962C8B-B14F-4D97-AF65-F5344CB8AC3E}">
-        <p14:creationId xmlns:p14="http://schemas.microsoft.com/office/powerpoint/2010/main" val="1012375385"/>
+        <p14:creationId xmlns:p14="http://schemas.microsoft.com/office/powerpoint/2010/main" val="2394307135"/>
       </p:ext>
     </p:extLst>
   </p:cSld>
@@ -9550,7 +9542,7 @@
   </p:clrMapOvr>
   <mc:AlternateContent xmlns:mc="http://schemas.openxmlformats.org/markup-compatibility/2006">
     <mc:Choice xmlns:p159="http://schemas.microsoft.com/office/powerpoint/2015/09/main" Requires="p159">
-      <p:transition xmlns:p14="http://schemas.microsoft.com/office/powerpoint/2010/main" spd="slow" p14:dur="3000">
+      <p:transition xmlns:p14="http://schemas.microsoft.com/office/powerpoint/2010/main" spd="slow" p14:dur="4000">
         <p159:morph option="byObject"/>
       </p:transition>
     </mc:Choice>
@@ -9594,7 +9586,7 @@
                                           </p:stCondLst>
                                         </p:cTn>
                                         <p:tgtEl>
-                                          <p:spTgt spid="3"/>
+                                          <p:spTgt spid="8"/>
                                         </p:tgtEl>
                                         <p:attrNameLst>
                                           <p:attrName>style.visibility</p:attrName>
@@ -9608,7 +9600,7 @@
                                       <p:cBhvr>
                                         <p:cTn id="7" dur="500"/>
                                         <p:tgtEl>
-                                          <p:spTgt spid="3"/>
+                                          <p:spTgt spid="8"/>
                                         </p:tgtEl>
                                       </p:cBhvr>
                                     </p:animEffect>
@@ -9639,18 +9631,18 @@
                                     <p:cond delay="0"/>
                                   </p:stCondLst>
                                   <p:childTnLst>
-                                    <p:animMotion origin="layout" path="M -3.00926E-6 -2.46914E-7 L -3.00926E-6 0.13947 " pathEditMode="relative" rAng="0" ptsTypes="AA">
+                                    <p:animMotion origin="layout" path="M 1.11111E-6 4.81481E-6 L 0.00058 0.13773 " pathEditMode="relative" rAng="0" ptsTypes="AA">
                                       <p:cBhvr>
                                         <p:cTn id="11" dur="2000" fill="hold"/>
                                         <p:tgtEl>
-                                          <p:spTgt spid="3"/>
+                                          <p:spTgt spid="8"/>
                                         </p:tgtEl>
                                         <p:attrNameLst>
                                           <p:attrName>ppt_x</p:attrName>
                                           <p:attrName>ppt_y</p:attrName>
                                         </p:attrNameLst>
                                       </p:cBhvr>
-                                      <p:rCtr x="0" y="6964"/>
+                                      <p:rCtr x="29" y="6887"/>
                                     </p:animMotion>
                                   </p:childTnLst>
                                 </p:cTn>
@@ -9683,8 +9675,8 @@
       </p:par>
     </p:tnLst>
     <p:bldLst>
-      <p:bldP spid="3" grpId="0" animBg="1"/>
-      <p:bldP spid="3" grpId="1" animBg="1"/>
+      <p:bldP spid="8" grpId="0" animBg="1"/>
+      <p:bldP spid="8" grpId="1" animBg="1"/>
     </p:bldLst>
   </p:timing>
 </p:sld>
@@ -10883,7 +10875,7 @@
 
 <file path=ppt/webextensions/taskpanes.xml><?xml version="1.0" encoding="utf-8"?>
 <wetp:taskpanes xmlns:wetp="http://schemas.microsoft.com/office/webextensions/taskpanes/2010/11">
-  <wetp:taskpane dockstate="right" visibility="0" width="350" row="3">
+  <wetp:taskpane dockstate="right" visibility="0" width="350" row="5">
     <wetp:webextensionref xmlns:r="http://schemas.openxmlformats.org/officeDocument/2006/relationships" r:id="rId1"/>
   </wetp:taskpane>
 </wetp:taskpanes>
@@ -10902,6 +10894,27 @@
 </file>
 
 <file path=customXml/item1.xml><?xml version="1.0" encoding="utf-8"?>
+<p:properties xmlns:p="http://schemas.microsoft.com/office/2006/metadata/properties" xmlns:xsi="http://www.w3.org/2001/XMLSchema-instance" xmlns:pc="http://schemas.microsoft.com/office/infopath/2007/PartnerControls">
+  <documentManagement>
+    <_dlc_DocId xmlns="402b49ca-617a-4412-a136-22a821ef8eb4">PULSEDOC-1743074161-357</_dlc_DocId>
+    <_dlc_DocIdUrl xmlns="402b49ca-617a-4412-a136-22a821ef8eb4">
+      <Url>https://pulse.utah.edu/site/marcomm/_layouts/15/DocIdRedir.aspx?ID=PULSEDOC-1743074161-357</Url>
+      <Description>PULSEDOC-1743074161-357</Description>
+    </_dlc_DocIdUrl>
+  </documentManagement>
+</p:properties>
+</file>
+
+<file path=customXml/item2.xml><?xml version="1.0" encoding="utf-8"?>
+<?mso-contentType ?>
+<FormTemplates xmlns="http://schemas.microsoft.com/sharepoint/v3/contenttype/forms">
+  <Display>DocumentLibraryForm</Display>
+  <Edit>DocumentLibraryForm</Edit>
+  <New>DocumentLibraryForm</New>
+</FormTemplates>
+</file>
+
+<file path=customXml/item3.xml><?xml version="1.0" encoding="utf-8"?>
 <ct:contentTypeSchema xmlns:ct="http://schemas.microsoft.com/office/2006/metadata/contentType" xmlns:ma="http://schemas.microsoft.com/office/2006/metadata/properties/metaAttributes" ct:_="" ma:_="" ma:contentTypeName="Document" ma:contentTypeID="0x0101000B7F15D18245C1458954909DB36AE657" ma:contentTypeVersion="0" ma:contentTypeDescription="Create a new document." ma:contentTypeScope="" ma:versionID="671241fb1ebdeb4b2d4f105b2a61c745">
   <xsd:schema xmlns:xsd="http://www.w3.org/2001/XMLSchema" xmlns:xs="http://www.w3.org/2001/XMLSchema" xmlns:p="http://schemas.microsoft.com/office/2006/metadata/properties" xmlns:ns2="402b49ca-617a-4412-a136-22a821ef8eb4" targetNamespace="http://schemas.microsoft.com/office/2006/metadata/properties" ma:root="true" ma:fieldsID="367bc80b74cbe435d94d5e8f171105a8" ns2:_="">
     <xsd:import namespace="402b49ca-617a-4412-a136-22a821ef8eb4"/>
@@ -11046,27 +11059,6 @@
 </ct:contentTypeSchema>
 </file>
 
-<file path=customXml/item2.xml><?xml version="1.0" encoding="utf-8"?>
-<?mso-contentType ?>
-<FormTemplates xmlns="http://schemas.microsoft.com/sharepoint/v3/contenttype/forms">
-  <Display>DocumentLibraryForm</Display>
-  <Edit>DocumentLibraryForm</Edit>
-  <New>DocumentLibraryForm</New>
-</FormTemplates>
-</file>
-
-<file path=customXml/item3.xml><?xml version="1.0" encoding="utf-8"?>
-<p:properties xmlns:p="http://schemas.microsoft.com/office/2006/metadata/properties" xmlns:xsi="http://www.w3.org/2001/XMLSchema-instance" xmlns:pc="http://schemas.microsoft.com/office/infopath/2007/PartnerControls">
-  <documentManagement>
-    <_dlc_DocId xmlns="402b49ca-617a-4412-a136-22a821ef8eb4">PULSEDOC-1743074161-357</_dlc_DocId>
-    <_dlc_DocIdUrl xmlns="402b49ca-617a-4412-a136-22a821ef8eb4">
-      <Url>https://pulse.utah.edu/site/marcomm/_layouts/15/DocIdRedir.aspx?ID=PULSEDOC-1743074161-357</Url>
-      <Description>PULSEDOC-1743074161-357</Description>
-    </_dlc_DocIdUrl>
-  </documentManagement>
-</p:properties>
-</file>
-
 <file path=customXml/item4.xml><?xml version="1.0" encoding="utf-8"?>
 <?mso-contentType ?>
 <spe:Receivers xmlns:spe="http://schemas.microsoft.com/sharepoint/events">
@@ -11118,6 +11110,24 @@
 </file>
 
 <file path=customXml/itemProps1.xml><?xml version="1.0" encoding="utf-8"?>
+<ds:datastoreItem xmlns:ds="http://schemas.openxmlformats.org/officeDocument/2006/customXml" ds:itemID="{405D53D2-4C8C-4500-874F-8AD70E4DEB2D}">
+  <ds:schemaRefs>
+    <ds:schemaRef ds:uri="http://schemas.microsoft.com/office/2006/metadata/properties"/>
+    <ds:schemaRef ds:uri="http://schemas.microsoft.com/office/infopath/2007/PartnerControls"/>
+    <ds:schemaRef ds:uri="402b49ca-617a-4412-a136-22a821ef8eb4"/>
+  </ds:schemaRefs>
+</ds:datastoreItem>
+</file>
+
+<file path=customXml/itemProps2.xml><?xml version="1.0" encoding="utf-8"?>
+<ds:datastoreItem xmlns:ds="http://schemas.openxmlformats.org/officeDocument/2006/customXml" ds:itemID="{BCDE85B8-B306-4605-8819-4A30DA8C0D5D}">
+  <ds:schemaRefs>
+    <ds:schemaRef ds:uri="http://schemas.microsoft.com/sharepoint/v3/contenttype/forms"/>
+  </ds:schemaRefs>
+</ds:datastoreItem>
+</file>
+
+<file path=customXml/itemProps3.xml><?xml version="1.0" encoding="utf-8"?>
 <ds:datastoreItem xmlns:ds="http://schemas.openxmlformats.org/officeDocument/2006/customXml" ds:itemID="{49A862C5-AA50-4A3B-BC6C-230494CB9A1B}">
   <ds:schemaRefs>
     <ds:schemaRef ds:uri="http://schemas.microsoft.com/office/2006/metadata/contentType"/>
@@ -11135,24 +11145,6 @@
 </ds:datastoreItem>
 </file>
 
-<file path=customXml/itemProps2.xml><?xml version="1.0" encoding="utf-8"?>
-<ds:datastoreItem xmlns:ds="http://schemas.openxmlformats.org/officeDocument/2006/customXml" ds:itemID="{BCDE85B8-B306-4605-8819-4A30DA8C0D5D}">
-  <ds:schemaRefs>
-    <ds:schemaRef ds:uri="http://schemas.microsoft.com/sharepoint/v3/contenttype/forms"/>
-  </ds:schemaRefs>
-</ds:datastoreItem>
-</file>
-
-<file path=customXml/itemProps3.xml><?xml version="1.0" encoding="utf-8"?>
-<ds:datastoreItem xmlns:ds="http://schemas.openxmlformats.org/officeDocument/2006/customXml" ds:itemID="{405D53D2-4C8C-4500-874F-8AD70E4DEB2D}">
-  <ds:schemaRefs>
-    <ds:schemaRef ds:uri="http://schemas.microsoft.com/office/2006/metadata/properties"/>
-    <ds:schemaRef ds:uri="http://schemas.microsoft.com/office/infopath/2007/PartnerControls"/>
-    <ds:schemaRef ds:uri="402b49ca-617a-4412-a136-22a821ef8eb4"/>
-  </ds:schemaRefs>
-</ds:datastoreItem>
-</file>
-
 <file path=customXml/itemProps4.xml><?xml version="1.0" encoding="utf-8"?>
 <ds:datastoreItem xmlns:ds="http://schemas.openxmlformats.org/officeDocument/2006/customXml" ds:itemID="{496F08B7-1F71-4F99-B35D-690FBC859C9A}">
   <ds:schemaRefs>
